--- a/Documents for Progress/AnalysisStatus_28May2020.pptx
+++ b/Documents for Progress/AnalysisStatus_28May2020.pptx
@@ -13,7 +13,7 @@
   </p:handoutMasterIdLst>
   <p:sldIdLst>
     <p:sldId id="256" r:id="rId3"/>
-    <p:sldId id="500" r:id="rId4"/>
+    <p:sldId id="344" r:id="rId4"/>
     <p:sldId id="507" r:id="rId5"/>
     <p:sldId id="502" r:id="rId6"/>
     <p:sldId id="511" r:id="rId7"/>
@@ -216,9 +216,9 @@
             </a:lvl1pPr>
           </a:lstStyle>
           <a:p>
-            <a:fld id="{8CD5EADE-870B-3C4D-92F6-FE927CFCE2A1}" type="datetime1">
+            <a:fld id="{EC97F6CE-C9BA-5B44-AF0F-C73B1C17650F}" type="datetime1">
               <a:rPr lang="en-US" smtClean="0"/>
-              <a:t>5/28/20</a:t>
+              <a:t>5/29/20</a:t>
             </a:fld>
             <a:endParaRPr lang="en-GB"/>
           </a:p>
@@ -422,9 +422,9 @@
             </a:lvl1pPr>
           </a:lstStyle>
           <a:p>
-            <a:fld id="{4A3A8317-869C-EC49-8CB2-3286EE886873}" type="datetime1">
+            <a:fld id="{7F9D4A26-E586-E648-884B-C9B1EA03133F}" type="datetime1">
               <a:rPr lang="en-US" smtClean="0"/>
-              <a:t>5/28/20</a:t>
+              <a:t>5/29/20</a:t>
             </a:fld>
             <a:endParaRPr lang="en-GB"/>
           </a:p>
@@ -756,9 +756,9 @@
           <a:bodyPr/>
           <a:lstStyle/>
           <a:p>
-            <a:fld id="{B49D5E6A-E658-F947-B519-3BD764463DDB}" type="datetime1">
+            <a:fld id="{33D9703A-F6B0-E34C-B7F9-5A8864FF4F07}" type="datetime1">
               <a:rPr lang="en-US" smtClean="0"/>
-              <a:t>5/28/20</a:t>
+              <a:t>5/29/20</a:t>
             </a:fld>
             <a:endParaRPr lang="en-GB"/>
           </a:p>
@@ -791,6 +791,327 @@
     <p:extLst>
       <p:ext uri="{BB962C8B-B14F-4D97-AF65-F5344CB8AC3E}">
         <p14:creationId xmlns:p14="http://schemas.microsoft.com/office/powerpoint/2010/main" val="4209344089"/>
+      </p:ext>
+    </p:extLst>
+  </p:cSld>
+  <p:clrMapOvr>
+    <a:masterClrMapping/>
+  </p:clrMapOvr>
+</p:notes>
+</file>
+
+<file path=ppt/notesSlides/notesSlide2.xml><?xml version="1.0" encoding="utf-8"?>
+<p:notes xmlns:a="http://schemas.openxmlformats.org/drawingml/2006/main" xmlns:r="http://schemas.openxmlformats.org/officeDocument/2006/relationships" xmlns:p="http://schemas.openxmlformats.org/presentationml/2006/main">
+  <p:cSld>
+    <p:spTree>
+      <p:nvGrpSpPr>
+        <p:cNvPr id="1" name=""/>
+        <p:cNvGrpSpPr/>
+        <p:nvPr/>
+      </p:nvGrpSpPr>
+      <p:grpSpPr>
+        <a:xfrm>
+          <a:off x="0" y="0"/>
+          <a:ext cx="0" cy="0"/>
+          <a:chOff x="0" y="0"/>
+          <a:chExt cx="0" cy="0"/>
+        </a:xfrm>
+      </p:grpSpPr>
+      <p:sp>
+        <p:nvSpPr>
+          <p:cNvPr id="2" name="Slide Image Placeholder 1"/>
+          <p:cNvSpPr>
+            <a:spLocks noGrp="1" noRot="1" noChangeAspect="1"/>
+          </p:cNvSpPr>
+          <p:nvPr>
+            <p:ph type="sldImg"/>
+          </p:nvPr>
+        </p:nvSpPr>
+        <p:spPr/>
+      </p:sp>
+      <p:sp>
+        <p:nvSpPr>
+          <p:cNvPr id="3" name="Notes Placeholder 2"/>
+          <p:cNvSpPr>
+            <a:spLocks noGrp="1"/>
+          </p:cNvSpPr>
+          <p:nvPr>
+            <p:ph type="body" idx="1"/>
+          </p:nvPr>
+        </p:nvSpPr>
+        <p:spPr/>
+        <p:txBody>
+          <a:bodyPr/>
+          <a:lstStyle/>
+          <a:p>
+            <a:endParaRPr lang="en-GR" dirty="0"/>
+          </a:p>
+        </p:txBody>
+      </p:sp>
+      <p:sp>
+        <p:nvSpPr>
+          <p:cNvPr id="4" name="Date Placeholder 3"/>
+          <p:cNvSpPr>
+            <a:spLocks noGrp="1"/>
+          </p:cNvSpPr>
+          <p:nvPr>
+            <p:ph type="dt" idx="1"/>
+          </p:nvPr>
+        </p:nvSpPr>
+        <p:spPr/>
+        <p:txBody>
+          <a:bodyPr/>
+          <a:lstStyle/>
+          <a:p>
+            <a:fld id="{7F9D4A26-E586-E648-884B-C9B1EA03133F}" type="datetime1">
+              <a:rPr lang="en-US" smtClean="0"/>
+              <a:t>5/29/20</a:t>
+            </a:fld>
+            <a:endParaRPr lang="en-GB"/>
+          </a:p>
+        </p:txBody>
+      </p:sp>
+      <p:sp>
+        <p:nvSpPr>
+          <p:cNvPr id="5" name="Slide Number Placeholder 4"/>
+          <p:cNvSpPr>
+            <a:spLocks noGrp="1"/>
+          </p:cNvSpPr>
+          <p:nvPr>
+            <p:ph type="sldNum" sz="quarter" idx="5"/>
+          </p:nvPr>
+        </p:nvSpPr>
+        <p:spPr/>
+        <p:txBody>
+          <a:bodyPr/>
+          <a:lstStyle/>
+          <a:p>
+            <a:fld id="{5033F1CD-332F-48CC-8A24-9D0A5CE7D91D}" type="slidenum">
+              <a:rPr lang="en-GB" smtClean="0"/>
+              <a:t>10</a:t>
+            </a:fld>
+            <a:endParaRPr lang="en-GB"/>
+          </a:p>
+        </p:txBody>
+      </p:sp>
+    </p:spTree>
+    <p:extLst>
+      <p:ext uri="{BB962C8B-B14F-4D97-AF65-F5344CB8AC3E}">
+        <p14:creationId xmlns:p14="http://schemas.microsoft.com/office/powerpoint/2010/main" val="3920784553"/>
+      </p:ext>
+    </p:extLst>
+  </p:cSld>
+  <p:clrMapOvr>
+    <a:masterClrMapping/>
+  </p:clrMapOvr>
+</p:notes>
+</file>
+
+<file path=ppt/notesSlides/notesSlide3.xml><?xml version="1.0" encoding="utf-8"?>
+<p:notes xmlns:a="http://schemas.openxmlformats.org/drawingml/2006/main" xmlns:r="http://schemas.openxmlformats.org/officeDocument/2006/relationships" xmlns:p="http://schemas.openxmlformats.org/presentationml/2006/main">
+  <p:cSld>
+    <p:spTree>
+      <p:nvGrpSpPr>
+        <p:cNvPr id="1" name=""/>
+        <p:cNvGrpSpPr/>
+        <p:nvPr/>
+      </p:nvGrpSpPr>
+      <p:grpSpPr>
+        <a:xfrm>
+          <a:off x="0" y="0"/>
+          <a:ext cx="0" cy="0"/>
+          <a:chOff x="0" y="0"/>
+          <a:chExt cx="0" cy="0"/>
+        </a:xfrm>
+      </p:grpSpPr>
+      <p:sp>
+        <p:nvSpPr>
+          <p:cNvPr id="2" name="Slide Image Placeholder 1"/>
+          <p:cNvSpPr>
+            <a:spLocks noGrp="1" noRot="1" noChangeAspect="1"/>
+          </p:cNvSpPr>
+          <p:nvPr>
+            <p:ph type="sldImg"/>
+          </p:nvPr>
+        </p:nvSpPr>
+        <p:spPr/>
+      </p:sp>
+      <p:sp>
+        <p:nvSpPr>
+          <p:cNvPr id="3" name="Notes Placeholder 2"/>
+          <p:cNvSpPr>
+            <a:spLocks noGrp="1"/>
+          </p:cNvSpPr>
+          <p:nvPr>
+            <p:ph type="body" idx="1"/>
+          </p:nvPr>
+        </p:nvSpPr>
+        <p:spPr/>
+        <p:txBody>
+          <a:bodyPr/>
+          <a:lstStyle/>
+          <a:p>
+            <a:endParaRPr lang="en-GR" dirty="0"/>
+          </a:p>
+        </p:txBody>
+      </p:sp>
+      <p:sp>
+        <p:nvSpPr>
+          <p:cNvPr id="4" name="Date Placeholder 3"/>
+          <p:cNvSpPr>
+            <a:spLocks noGrp="1"/>
+          </p:cNvSpPr>
+          <p:nvPr>
+            <p:ph type="dt" idx="1"/>
+          </p:nvPr>
+        </p:nvSpPr>
+        <p:spPr/>
+        <p:txBody>
+          <a:bodyPr/>
+          <a:lstStyle/>
+          <a:p>
+            <a:fld id="{7F9D4A26-E586-E648-884B-C9B1EA03133F}" type="datetime1">
+              <a:rPr lang="en-US" smtClean="0"/>
+              <a:t>5/29/20</a:t>
+            </a:fld>
+            <a:endParaRPr lang="en-GB"/>
+          </a:p>
+        </p:txBody>
+      </p:sp>
+      <p:sp>
+        <p:nvSpPr>
+          <p:cNvPr id="5" name="Slide Number Placeholder 4"/>
+          <p:cNvSpPr>
+            <a:spLocks noGrp="1"/>
+          </p:cNvSpPr>
+          <p:nvPr>
+            <p:ph type="sldNum" sz="quarter" idx="5"/>
+          </p:nvPr>
+        </p:nvSpPr>
+        <p:spPr/>
+        <p:txBody>
+          <a:bodyPr/>
+          <a:lstStyle/>
+          <a:p>
+            <a:fld id="{5033F1CD-332F-48CC-8A24-9D0A5CE7D91D}" type="slidenum">
+              <a:rPr lang="en-GB" smtClean="0"/>
+              <a:t>11</a:t>
+            </a:fld>
+            <a:endParaRPr lang="en-GB"/>
+          </a:p>
+        </p:txBody>
+      </p:sp>
+    </p:spTree>
+    <p:extLst>
+      <p:ext uri="{BB962C8B-B14F-4D97-AF65-F5344CB8AC3E}">
+        <p14:creationId xmlns:p14="http://schemas.microsoft.com/office/powerpoint/2010/main" val="1243429870"/>
+      </p:ext>
+    </p:extLst>
+  </p:cSld>
+  <p:clrMapOvr>
+    <a:masterClrMapping/>
+  </p:clrMapOvr>
+</p:notes>
+</file>
+
+<file path=ppt/notesSlides/notesSlide4.xml><?xml version="1.0" encoding="utf-8"?>
+<p:notes xmlns:a="http://schemas.openxmlformats.org/drawingml/2006/main" xmlns:r="http://schemas.openxmlformats.org/officeDocument/2006/relationships" xmlns:p="http://schemas.openxmlformats.org/presentationml/2006/main">
+  <p:cSld>
+    <p:spTree>
+      <p:nvGrpSpPr>
+        <p:cNvPr id="1" name=""/>
+        <p:cNvGrpSpPr/>
+        <p:nvPr/>
+      </p:nvGrpSpPr>
+      <p:grpSpPr>
+        <a:xfrm>
+          <a:off x="0" y="0"/>
+          <a:ext cx="0" cy="0"/>
+          <a:chOff x="0" y="0"/>
+          <a:chExt cx="0" cy="0"/>
+        </a:xfrm>
+      </p:grpSpPr>
+      <p:sp>
+        <p:nvSpPr>
+          <p:cNvPr id="2" name="Slide Image Placeholder 1"/>
+          <p:cNvSpPr>
+            <a:spLocks noGrp="1" noRot="1" noChangeAspect="1"/>
+          </p:cNvSpPr>
+          <p:nvPr>
+            <p:ph type="sldImg"/>
+          </p:nvPr>
+        </p:nvSpPr>
+        <p:spPr/>
+      </p:sp>
+      <p:sp>
+        <p:nvSpPr>
+          <p:cNvPr id="3" name="Notes Placeholder 2"/>
+          <p:cNvSpPr>
+            <a:spLocks noGrp="1"/>
+          </p:cNvSpPr>
+          <p:nvPr>
+            <p:ph type="body" idx="1"/>
+          </p:nvPr>
+        </p:nvSpPr>
+        <p:spPr/>
+        <p:txBody>
+          <a:bodyPr/>
+          <a:lstStyle/>
+          <a:p>
+            <a:endParaRPr lang="en-GR" dirty="0"/>
+          </a:p>
+        </p:txBody>
+      </p:sp>
+      <p:sp>
+        <p:nvSpPr>
+          <p:cNvPr id="4" name="Date Placeholder 3"/>
+          <p:cNvSpPr>
+            <a:spLocks noGrp="1"/>
+          </p:cNvSpPr>
+          <p:nvPr>
+            <p:ph type="dt" idx="1"/>
+          </p:nvPr>
+        </p:nvSpPr>
+        <p:spPr/>
+        <p:txBody>
+          <a:bodyPr/>
+          <a:lstStyle/>
+          <a:p>
+            <a:fld id="{7F9D4A26-E586-E648-884B-C9B1EA03133F}" type="datetime1">
+              <a:rPr lang="en-US" smtClean="0"/>
+              <a:t>5/29/20</a:t>
+            </a:fld>
+            <a:endParaRPr lang="en-GB"/>
+          </a:p>
+        </p:txBody>
+      </p:sp>
+      <p:sp>
+        <p:nvSpPr>
+          <p:cNvPr id="5" name="Slide Number Placeholder 4"/>
+          <p:cNvSpPr>
+            <a:spLocks noGrp="1"/>
+          </p:cNvSpPr>
+          <p:nvPr>
+            <p:ph type="sldNum" sz="quarter" idx="5"/>
+          </p:nvPr>
+        </p:nvSpPr>
+        <p:spPr/>
+        <p:txBody>
+          <a:bodyPr/>
+          <a:lstStyle/>
+          <a:p>
+            <a:fld id="{5033F1CD-332F-48CC-8A24-9D0A5CE7D91D}" type="slidenum">
+              <a:rPr lang="en-GB" smtClean="0"/>
+              <a:t>13</a:t>
+            </a:fld>
+            <a:endParaRPr lang="en-GB"/>
+          </a:p>
+        </p:txBody>
+      </p:sp>
+    </p:spTree>
+    <p:extLst>
+      <p:ext uri="{BB962C8B-B14F-4D97-AF65-F5344CB8AC3E}">
+        <p14:creationId xmlns:p14="http://schemas.microsoft.com/office/powerpoint/2010/main" val="3988365189"/>
       </p:ext>
     </p:extLst>
   </p:cSld>
@@ -1024,9 +1345,9 @@
           <a:bodyPr/>
           <a:lstStyle/>
           <a:p>
-            <a:fld id="{3FD6B7D5-59BD-A94A-8259-AFB77C1C6F6C}" type="datetime1">
+            <a:fld id="{DC51A3BE-CA11-4547-A39A-766971096B34}" type="datetime1">
               <a:rPr lang="en-US" smtClean="0"/>
-              <a:t>5/28/20</a:t>
+              <a:t>5/29/20</a:t>
             </a:fld>
             <a:endParaRPr lang="en-US" dirty="0"/>
           </a:p>
@@ -1231,9 +1552,9 @@
           <a:bodyPr/>
           <a:lstStyle/>
           <a:p>
-            <a:fld id="{22747042-83B4-2D44-B16D-692521656AEA}" type="datetime1">
+            <a:fld id="{42B2CF9A-A7BF-1245-99D9-4054301C36E0}" type="datetime1">
               <a:rPr lang="en-US" smtClean="0"/>
-              <a:t>5/28/20</a:t>
+              <a:t>5/29/20</a:t>
             </a:fld>
             <a:endParaRPr lang="en-US" dirty="0"/>
           </a:p>
@@ -1486,9 +1807,9 @@
           <a:bodyPr/>
           <a:lstStyle/>
           <a:p>
-            <a:fld id="{123C6174-D222-ED47-AF35-85B52783FDE1}" type="datetime1">
+            <a:fld id="{F88F3968-5050-1740-9AB7-A06844E87E5F}" type="datetime1">
               <a:rPr lang="en-US" smtClean="0"/>
-              <a:t>5/28/20</a:t>
+              <a:t>5/29/20</a:t>
             </a:fld>
             <a:endParaRPr lang="en-US" dirty="0"/>
           </a:p>
@@ -1677,9 +1998,9 @@
           <a:bodyPr/>
           <a:lstStyle/>
           <a:p>
-            <a:fld id="{92BB3830-AA68-4343-953F-F849943EB849}" type="datetime1">
+            <a:fld id="{6A19A844-E33A-B644-A0FB-7455E93D924C}" type="datetime1">
               <a:rPr lang="en-US" smtClean="0"/>
-              <a:t>5/28/20</a:t>
+              <a:t>5/29/20</a:t>
             </a:fld>
             <a:endParaRPr lang="en-GB"/>
           </a:p>
@@ -1851,9 +2172,9 @@
           <a:bodyPr/>
           <a:lstStyle/>
           <a:p>
-            <a:fld id="{13F0FE4D-A637-F644-BCB7-BB01E9473082}" type="datetime1">
+            <a:fld id="{F61E92BF-DA59-B546-88AE-9835521A3798}" type="datetime1">
               <a:rPr lang="en-US" smtClean="0"/>
-              <a:t>5/28/20</a:t>
+              <a:t>5/29/20</a:t>
             </a:fld>
             <a:endParaRPr lang="en-GB"/>
           </a:p>
@@ -2101,9 +2422,9 @@
           <a:bodyPr/>
           <a:lstStyle/>
           <a:p>
-            <a:fld id="{7916914C-F633-3B4D-8E7C-AF9878FBCAB2}" type="datetime1">
+            <a:fld id="{61C78CAC-926A-EF4D-9608-460C3A301243}" type="datetime1">
               <a:rPr lang="en-US" smtClean="0"/>
-              <a:t>5/28/20</a:t>
+              <a:t>5/29/20</a:t>
             </a:fld>
             <a:endParaRPr lang="en-GB"/>
           </a:p>
@@ -2337,9 +2658,9 @@
           <a:bodyPr/>
           <a:lstStyle/>
           <a:p>
-            <a:fld id="{1BEE493E-6ECC-2D49-AA37-47715FC69928}" type="datetime1">
+            <a:fld id="{32675A6D-6B9B-6546-A3DC-004E809EED54}" type="datetime1">
               <a:rPr lang="en-US" smtClean="0"/>
-              <a:t>5/28/20</a:t>
+              <a:t>5/29/20</a:t>
             </a:fld>
             <a:endParaRPr lang="en-GB"/>
           </a:p>
@@ -2708,9 +3029,9 @@
           <a:bodyPr/>
           <a:lstStyle/>
           <a:p>
-            <a:fld id="{44D2375D-BCDA-CD42-A7D1-F6C0DA2CE615}" type="datetime1">
+            <a:fld id="{55D89806-B328-B147-9EC9-15D0307996ED}" type="datetime1">
               <a:rPr lang="en-US" smtClean="0"/>
-              <a:t>5/28/20</a:t>
+              <a:t>5/29/20</a:t>
             </a:fld>
             <a:endParaRPr lang="en-GB"/>
           </a:p>
@@ -2830,9 +3151,9 @@
           <a:bodyPr/>
           <a:lstStyle/>
           <a:p>
-            <a:fld id="{DF706FF0-E883-3242-B340-EF59CDD02701}" type="datetime1">
+            <a:fld id="{702FE0D6-14B8-A94B-B441-7BA984189CE2}" type="datetime1">
               <a:rPr lang="en-US" smtClean="0"/>
-              <a:t>5/28/20</a:t>
+              <a:t>5/29/20</a:t>
             </a:fld>
             <a:endParaRPr lang="en-GB"/>
           </a:p>
@@ -2929,9 +3250,9 @@
           <a:bodyPr/>
           <a:lstStyle/>
           <a:p>
-            <a:fld id="{A72B1547-4678-7444-8B0B-D61236993AA6}" type="datetime1">
+            <a:fld id="{4C294EA8-7AEB-3247-9A81-8483D03B0462}" type="datetime1">
               <a:rPr lang="en-US" smtClean="0"/>
-              <a:t>5/28/20</a:t>
+              <a:t>5/29/20</a:t>
             </a:fld>
             <a:endParaRPr lang="en-GB"/>
           </a:p>
@@ -3210,9 +3531,9 @@
           <a:bodyPr/>
           <a:lstStyle/>
           <a:p>
-            <a:fld id="{F5C0FF04-D16D-9545-B9FE-2A2509161914}" type="datetime1">
+            <a:fld id="{D72E9315-386E-6846-8498-4330F1BBFC0A}" type="datetime1">
               <a:rPr lang="en-US" smtClean="0"/>
-              <a:t>5/28/20</a:t>
+              <a:t>5/29/20</a:t>
             </a:fld>
             <a:endParaRPr lang="en-GB"/>
           </a:p>
@@ -3366,9 +3687,9 @@
           <a:bodyPr/>
           <a:lstStyle/>
           <a:p>
-            <a:fld id="{739BCA09-01A4-7D40-97AF-A677405590ED}" type="datetime1">
+            <a:fld id="{0E394EB9-E681-C34A-89D4-D81E4C62EA5B}" type="datetime1">
               <a:rPr lang="en-US" smtClean="0"/>
-              <a:t>5/28/20</a:t>
+              <a:t>5/29/20</a:t>
             </a:fld>
             <a:endParaRPr lang="en-US" dirty="0"/>
           </a:p>
@@ -3647,9 +3968,9 @@
           <a:bodyPr/>
           <a:lstStyle/>
           <a:p>
-            <a:fld id="{95430EDC-66BF-5B4F-9F6B-EF430B2635C2}" type="datetime1">
+            <a:fld id="{E220BF5D-E794-2B42-91EC-2A3B4450069D}" type="datetime1">
               <a:rPr lang="en-US" smtClean="0"/>
-              <a:t>5/28/20</a:t>
+              <a:t>5/29/20</a:t>
             </a:fld>
             <a:endParaRPr lang="en-GB"/>
           </a:p>
@@ -3821,9 +4142,9 @@
           <a:bodyPr/>
           <a:lstStyle/>
           <a:p>
-            <a:fld id="{C40C6D0C-61E5-A14E-AA64-932059ABBCA0}" type="datetime1">
+            <a:fld id="{BA4C039E-7082-7D42-AA91-9FF3EF6ADB5B}" type="datetime1">
               <a:rPr lang="en-US" smtClean="0"/>
-              <a:t>5/28/20</a:t>
+              <a:t>5/29/20</a:t>
             </a:fld>
             <a:endParaRPr lang="en-GB"/>
           </a:p>
@@ -4005,9 +4326,9 @@
           <a:bodyPr/>
           <a:lstStyle/>
           <a:p>
-            <a:fld id="{686993B2-94FA-8143-ACBD-1339E5A7C63D}" type="datetime1">
+            <a:fld id="{2817B3FE-3894-A848-8D78-14007FB2FF94}" type="datetime1">
               <a:rPr lang="en-US" smtClean="0"/>
-              <a:t>5/28/20</a:t>
+              <a:t>5/29/20</a:t>
             </a:fld>
             <a:endParaRPr lang="en-GB"/>
           </a:p>
@@ -4352,9 +4673,9 @@
           <a:bodyPr/>
           <a:lstStyle/>
           <a:p>
-            <a:fld id="{887F3A82-5004-DE46-9B8F-C8D1AE47BCDD}" type="datetime1">
+            <a:fld id="{2DEEC64B-3E48-2F44-A6A9-A1C06A2C021E}" type="datetime1">
               <a:rPr lang="en-US" smtClean="0"/>
-              <a:t>5/28/20</a:t>
+              <a:t>5/29/20</a:t>
             </a:fld>
             <a:endParaRPr lang="en-US" dirty="0"/>
           </a:p>
@@ -4626,9 +4947,9 @@
           <a:bodyPr/>
           <a:lstStyle/>
           <a:p>
-            <a:fld id="{9609816B-101F-E649-A6DB-1B34F62305FD}" type="datetime1">
+            <a:fld id="{61E195D8-183A-7F4D-8D17-8ADC90214B8A}" type="datetime1">
               <a:rPr lang="en-US" smtClean="0"/>
-              <a:t>5/28/20</a:t>
+              <a:t>5/29/20</a:t>
             </a:fld>
             <a:endParaRPr lang="en-US" dirty="0"/>
           </a:p>
@@ -5004,9 +5325,9 @@
           <a:bodyPr/>
           <a:lstStyle/>
           <a:p>
-            <a:fld id="{B4B9C9C3-E10A-4046-99D1-D14A01669CB5}" type="datetime1">
+            <a:fld id="{0DD0A991-48AE-1D43-8113-23F8EAF6681B}" type="datetime1">
               <a:rPr lang="en-US" smtClean="0"/>
-              <a:t>5/28/20</a:t>
+              <a:t>5/29/20</a:t>
             </a:fld>
             <a:endParaRPr lang="en-US" dirty="0"/>
           </a:p>
@@ -5121,9 +5442,9 @@
           <a:bodyPr/>
           <a:lstStyle/>
           <a:p>
-            <a:fld id="{B20DF165-EA06-4348-9825-CC0EB7B994A5}" type="datetime1">
+            <a:fld id="{DC12579A-EC7F-EB4A-BC5C-80733D051D29}" type="datetime1">
               <a:rPr lang="en-US" smtClean="0"/>
-              <a:t>5/28/20</a:t>
+              <a:t>5/29/20</a:t>
             </a:fld>
             <a:endParaRPr lang="en-US" dirty="0"/>
           </a:p>
@@ -5291,9 +5612,9 @@
           <a:bodyPr/>
           <a:lstStyle/>
           <a:p>
-            <a:fld id="{BC939BB5-C2A2-354E-94F1-11C8ABC84871}" type="datetime1">
+            <a:fld id="{669454CD-6DAB-7942-9B1D-8F3E2B882464}" type="datetime1">
               <a:rPr lang="en-US" smtClean="0"/>
-              <a:t>5/28/20</a:t>
+              <a:t>5/29/20</a:t>
             </a:fld>
             <a:endParaRPr lang="en-US" dirty="0"/>
           </a:p>
@@ -5675,9 +5996,9 @@
             </a:lvl1pPr>
           </a:lstStyle>
           <a:p>
-            <a:fld id="{6BC13A68-213D-F04B-9D09-F80EB8CDDAAA}" type="datetime1">
+            <a:fld id="{BD2CAD36-D42B-D445-A707-AA59905C7768}" type="datetime1">
               <a:rPr lang="en-US" smtClean="0"/>
-              <a:t>5/28/20</a:t>
+              <a:t>5/29/20</a:t>
             </a:fld>
             <a:endParaRPr lang="en-US" dirty="0"/>
           </a:p>
@@ -6057,9 +6378,9 @@
           <a:bodyPr/>
           <a:lstStyle/>
           <a:p>
-            <a:fld id="{3C9CB665-2448-6244-98A5-6DB781AF1920}" type="datetime1">
+            <a:fld id="{2D1D63B8-BB32-E649-92D4-94351543394C}" type="datetime1">
               <a:rPr lang="en-US" smtClean="0"/>
-              <a:t>5/28/20</a:t>
+              <a:t>5/29/20</a:t>
             </a:fld>
             <a:endParaRPr lang="en-US" dirty="0"/>
           </a:p>
@@ -6343,9 +6664,9 @@
             </a:lvl1pPr>
           </a:lstStyle>
           <a:p>
-            <a:fld id="{0675E229-76FC-AB46-B5B7-99D6369AD45B}" type="datetime1">
+            <a:fld id="{FD02AE22-A9EA-FE42-BAB8-AD1D7606FF2E}" type="datetime1">
               <a:rPr lang="en-US" smtClean="0"/>
-              <a:t>5/28/20</a:t>
+              <a:t>5/29/20</a:t>
             </a:fld>
             <a:endParaRPr lang="en-US" dirty="0"/>
           </a:p>
@@ -7033,9 +7354,9 @@
             </a:lvl1pPr>
           </a:lstStyle>
           <a:p>
-            <a:fld id="{69C84D11-6659-6A4A-919D-F211F249C3CD}" type="datetime1">
+            <a:fld id="{307A731C-B4EF-644F-8FDB-2EBA3EC9415A}" type="datetime1">
               <a:rPr lang="en-US" smtClean="0"/>
-              <a:t>5/28/20</a:t>
+              <a:t>5/29/20</a:t>
             </a:fld>
             <a:endParaRPr lang="en-GB"/>
           </a:p>
@@ -7713,14 +8034,8 @@
           <a:p>
             <a:r>
               <a:rPr lang="en-US" dirty="0"/>
-              <a:t>have</a:t>
-            </a:r>
-            <a:fld id="{4FAB73BC-B049-4115-A692-8D63A059BFB8}" type="slidenum">
-              <a:rPr lang="en-US" smtClean="0"/>
-              <a:pPr/>
               <a:t>10</a:t>
-            </a:fld>
-            <a:endParaRPr lang="en-US" dirty="0"/>
+            </a:r>
           </a:p>
         </p:txBody>
       </p:sp>
@@ -7745,9 +8060,9 @@
           <a:bodyPr/>
           <a:lstStyle/>
           <a:p>
-            <a:fld id="{A495A033-A54B-4F41-92C4-F7053274BB0C}" type="datetime1">
+            <a:fld id="{069D378D-727A-3144-85B0-F1FB0248B8D7}" type="datetime1">
               <a:rPr lang="en-US" smtClean="0"/>
-              <a:t>5/28/20</a:t>
+              <a:t>5/29/20</a:t>
             </a:fld>
             <a:endParaRPr lang="en-US" dirty="0"/>
           </a:p>
@@ -8190,10 +8505,10 @@
           <p:nvPr/>
         </p:nvPicPr>
         <p:blipFill>
-          <a:blip r:embed="rId2">
+          <a:blip r:embed="rId3">
             <a:extLst>
               <a:ext uri="{96DAC541-7B7A-43D3-8B79-37D633B846F1}">
-                <asvg:svgBlip xmlns:asvg="http://schemas.microsoft.com/office/drawing/2016/SVG/main" r:embed="rId3"/>
+                <asvg:svgBlip xmlns:asvg="http://schemas.microsoft.com/office/drawing/2016/SVG/main" r:embed="rId4"/>
               </a:ext>
             </a:extLst>
           </a:blip>
@@ -8226,7 +8541,7 @@
           <p:nvPr/>
         </p:nvPicPr>
         <p:blipFill>
-          <a:blip r:embed="rId4"/>
+          <a:blip r:embed="rId5"/>
           <a:stretch>
             <a:fillRect/>
           </a:stretch>
@@ -8256,7 +8571,7 @@
           <p:nvPr/>
         </p:nvPicPr>
         <p:blipFill>
-          <a:blip r:embed="rId5"/>
+          <a:blip r:embed="rId6"/>
           <a:stretch>
             <a:fillRect/>
           </a:stretch>
@@ -8544,14 +8859,8 @@
           <a:p>
             <a:r>
               <a:rPr lang="en-US" dirty="0"/>
-              <a:t>have</a:t>
-            </a:r>
-            <a:fld id="{4FAB73BC-B049-4115-A692-8D63A059BFB8}" type="slidenum">
-              <a:rPr lang="en-US" smtClean="0"/>
-              <a:pPr/>
               <a:t>11</a:t>
-            </a:fld>
-            <a:endParaRPr lang="en-US" dirty="0"/>
+            </a:r>
           </a:p>
         </p:txBody>
       </p:sp>
@@ -8576,9 +8885,9 @@
           <a:bodyPr/>
           <a:lstStyle/>
           <a:p>
-            <a:fld id="{A495A033-A54B-4F41-92C4-F7053274BB0C}" type="datetime1">
+            <a:fld id="{45223207-ACAB-0147-B8D7-DF649D514956}" type="datetime1">
               <a:rPr lang="en-US" smtClean="0"/>
-              <a:t>5/28/20</a:t>
+              <a:t>5/29/20</a:t>
             </a:fld>
             <a:endParaRPr lang="en-US" dirty="0"/>
           </a:p>
@@ -9061,7 +9370,7 @@
           <p:nvPr/>
         </p:nvPicPr>
         <p:blipFill>
-          <a:blip r:embed="rId2"/>
+          <a:blip r:embed="rId3"/>
           <a:stretch>
             <a:fillRect/>
           </a:stretch>
@@ -9091,7 +9400,7 @@
           <p:nvPr/>
         </p:nvPicPr>
         <p:blipFill>
-          <a:blip r:embed="rId3"/>
+          <a:blip r:embed="rId4"/>
           <a:stretch>
             <a:fillRect/>
           </a:stretch>
@@ -9379,14 +9688,8 @@
           <a:p>
             <a:r>
               <a:rPr lang="en-US" dirty="0"/>
-              <a:t>have</a:t>
-            </a:r>
-            <a:fld id="{4FAB73BC-B049-4115-A692-8D63A059BFB8}" type="slidenum">
-              <a:rPr lang="en-US" smtClean="0"/>
-              <a:pPr/>
               <a:t>12</a:t>
-            </a:fld>
-            <a:endParaRPr lang="en-US" dirty="0"/>
+            </a:r>
           </a:p>
         </p:txBody>
       </p:sp>
@@ -9411,9 +9714,9 @@
           <a:bodyPr/>
           <a:lstStyle/>
           <a:p>
-            <a:fld id="{A495A033-A54B-4F41-92C4-F7053274BB0C}" type="datetime1">
+            <a:fld id="{D932F244-3C45-F749-B1C1-3D6927F3219C}" type="datetime1">
               <a:rPr lang="en-US" smtClean="0"/>
-              <a:t>5/28/20</a:t>
+              <a:t>5/29/20</a:t>
             </a:fld>
             <a:endParaRPr lang="en-US" dirty="0"/>
           </a:p>
@@ -10216,14 +10519,8 @@
           <a:p>
             <a:r>
               <a:rPr lang="en-US" dirty="0"/>
-              <a:t>have</a:t>
-            </a:r>
-            <a:fld id="{4FAB73BC-B049-4115-A692-8D63A059BFB8}" type="slidenum">
-              <a:rPr lang="en-US" smtClean="0"/>
-              <a:pPr/>
               <a:t>13</a:t>
-            </a:fld>
-            <a:endParaRPr lang="en-US" dirty="0"/>
+            </a:r>
           </a:p>
         </p:txBody>
       </p:sp>
@@ -10248,9 +10545,9 @@
           <a:bodyPr/>
           <a:lstStyle/>
           <a:p>
-            <a:fld id="{A495A033-A54B-4F41-92C4-F7053274BB0C}" type="datetime1">
+            <a:fld id="{66C16AE5-AF07-CC45-87CB-BA4970389C50}" type="datetime1">
               <a:rPr lang="en-US" smtClean="0"/>
-              <a:t>5/28/20</a:t>
+              <a:t>5/29/20</a:t>
             </a:fld>
             <a:endParaRPr lang="en-US" dirty="0"/>
           </a:p>
@@ -10845,10 +11142,10 @@
           <p:nvPr/>
         </p:nvPicPr>
         <p:blipFill>
-          <a:blip r:embed="rId2">
+          <a:blip r:embed="rId3">
             <a:extLst>
               <a:ext uri="{96DAC541-7B7A-43D3-8B79-37D633B846F1}">
-                <asvg:svgBlip xmlns:asvg="http://schemas.microsoft.com/office/drawing/2016/SVG/main" r:embed="rId3"/>
+                <asvg:svgBlip xmlns:asvg="http://schemas.microsoft.com/office/drawing/2016/SVG/main" r:embed="rId4"/>
               </a:ext>
             </a:extLst>
           </a:blip>
@@ -10881,7 +11178,7 @@
           <p:nvPr/>
         </p:nvPicPr>
         <p:blipFill>
-          <a:blip r:embed="rId4"/>
+          <a:blip r:embed="rId5"/>
           <a:stretch>
             <a:fillRect/>
           </a:stretch>
@@ -10911,7 +11208,7 @@
           <p:nvPr/>
         </p:nvPicPr>
         <p:blipFill>
-          <a:blip r:embed="rId5"/>
+          <a:blip r:embed="rId6"/>
           <a:stretch>
             <a:fillRect/>
           </a:stretch>
@@ -11035,14 +11332,8 @@
           <a:p>
             <a:r>
               <a:rPr lang="en-US" dirty="0"/>
-              <a:t>have</a:t>
-            </a:r>
-            <a:fld id="{4FAB73BC-B049-4115-A692-8D63A059BFB8}" type="slidenum">
-              <a:rPr lang="en-US" smtClean="0"/>
-              <a:pPr/>
               <a:t>14</a:t>
-            </a:fld>
-            <a:endParaRPr lang="en-US" dirty="0"/>
+            </a:r>
           </a:p>
         </p:txBody>
       </p:sp>
@@ -11067,9 +11358,9 @@
           <a:bodyPr/>
           <a:lstStyle/>
           <a:p>
-            <a:fld id="{A495A033-A54B-4F41-92C4-F7053274BB0C}" type="datetime1">
+            <a:fld id="{980D5CE2-4E3D-2241-9ADF-A283BB5869B9}" type="datetime1">
               <a:rPr lang="en-US" smtClean="0"/>
-              <a:t>5/28/20</a:t>
+              <a:t>5/29/20</a:t>
             </a:fld>
             <a:endParaRPr lang="en-US" dirty="0"/>
           </a:p>
@@ -11763,14 +12054,8 @@
           <a:p>
             <a:r>
               <a:rPr lang="en-US" dirty="0"/>
-              <a:t>have</a:t>
-            </a:r>
-            <a:fld id="{4FAB73BC-B049-4115-A692-8D63A059BFB8}" type="slidenum">
-              <a:rPr lang="en-US" smtClean="0"/>
-              <a:pPr/>
               <a:t>15</a:t>
-            </a:fld>
-            <a:endParaRPr lang="en-US" dirty="0"/>
+            </a:r>
           </a:p>
         </p:txBody>
       </p:sp>
@@ -11795,9 +12080,9 @@
           <a:bodyPr/>
           <a:lstStyle/>
           <a:p>
-            <a:fld id="{A495A033-A54B-4F41-92C4-F7053274BB0C}" type="datetime1">
+            <a:fld id="{D6DD8F2B-EDF9-D941-9AA0-118A7F585358}" type="datetime1">
               <a:rPr lang="en-US" smtClean="0"/>
-              <a:t>5/28/20</a:t>
+              <a:t>5/29/20</a:t>
             </a:fld>
             <a:endParaRPr lang="en-US" dirty="0"/>
           </a:p>
@@ -12414,6 +12699,29 @@
       </p:grpSpPr>
       <p:sp>
         <p:nvSpPr>
+          <p:cNvPr id="2" name="Date Placeholder 1"/>
+          <p:cNvSpPr>
+            <a:spLocks noGrp="1"/>
+          </p:cNvSpPr>
+          <p:nvPr>
+            <p:ph type="dt" sz="half" idx="10"/>
+          </p:nvPr>
+        </p:nvSpPr>
+        <p:spPr/>
+        <p:txBody>
+          <a:bodyPr/>
+          <a:lstStyle/>
+          <a:p>
+            <a:fld id="{37E2C1DD-94AF-5B41-A54A-0C8426B7BC1A}" type="datetime1">
+              <a:rPr lang="en-US" smtClean="0"/>
+              <a:t>5/29/20</a:t>
+            </a:fld>
+            <a:endParaRPr lang="en-US" dirty="0"/>
+          </a:p>
+        </p:txBody>
+      </p:sp>
+      <p:sp>
+        <p:nvSpPr>
           <p:cNvPr id="3" name="Footer Placeholder 2"/>
           <p:cNvSpPr>
             <a:spLocks noGrp="1"/>
@@ -12428,12 +12736,8 @@
           <a:lstStyle/>
           <a:p>
             <a:r>
-              <a:rPr lang="fi-FI" dirty="0"/>
-              <a:t>NTUA G. </a:t>
-            </a:r>
-            <a:r>
-              <a:rPr lang="fi-FI" dirty="0" err="1"/>
-              <a:t>Bakas</a:t>
+              <a:rPr lang="en-US"/>
+              <a:t>NTUA G. Bakas</a:t>
             </a:r>
             <a:endParaRPr lang="en-US" dirty="0"/>
           </a:p>
@@ -12441,401 +12745,7 @@
       </p:sp>
       <p:sp>
         <p:nvSpPr>
-          <p:cNvPr id="7" name="TextBox 6"/>
-          <p:cNvSpPr txBox="1"/>
-          <p:nvPr/>
-        </p:nvSpPr>
-        <p:spPr>
-          <a:xfrm>
-            <a:off x="111965" y="83975"/>
-            <a:ext cx="11783049" cy="523220"/>
-          </a:xfrm>
-          <a:prstGeom prst="rect">
-            <a:avLst/>
-          </a:prstGeom>
-          <a:noFill/>
-        </p:spPr>
-        <p:txBody>
-          <a:bodyPr wrap="square" rtlCol="0">
-            <a:spAutoFit/>
-          </a:bodyPr>
-          <a:lstStyle/>
-          <a:p>
-            <a:r>
-              <a:rPr lang="en-US" sz="2800" u="sng" dirty="0"/>
-              <a:t>Mass Fit</a:t>
-            </a:r>
-          </a:p>
-        </p:txBody>
-      </p:sp>
-      <p:sp>
-        <p:nvSpPr>
-          <p:cNvPr id="6" name="TextBox 5">
-            <a:extLst>
-              <a:ext uri="{FF2B5EF4-FFF2-40B4-BE49-F238E27FC236}">
-                <a16:creationId xmlns:a16="http://schemas.microsoft.com/office/drawing/2014/main" id="{1DDE6F7F-FC19-F840-A70E-C84BA99E0247}"/>
-              </a:ext>
-            </a:extLst>
-          </p:cNvPr>
-          <p:cNvSpPr txBox="1"/>
-          <p:nvPr/>
-        </p:nvSpPr>
-        <p:spPr>
-          <a:xfrm>
-            <a:off x="111966" y="607195"/>
-            <a:ext cx="11783048" cy="5909310"/>
-          </a:xfrm>
-          <a:prstGeom prst="rect">
-            <a:avLst/>
-          </a:prstGeom>
-          <a:noFill/>
-        </p:spPr>
-        <p:txBody>
-          <a:bodyPr wrap="square" rtlCol="0">
-            <a:spAutoFit/>
-          </a:bodyPr>
-          <a:lstStyle/>
-          <a:p>
-            <a:pPr marL="342900" indent="-342900">
-              <a:buFont typeface="Arial" panose="020B0604020202020204" pitchFamily="34" charset="0"/>
-              <a:buChar char="•"/>
-            </a:pPr>
-            <a:r>
-              <a:rPr lang="en-US" dirty="0">
-                <a:sym typeface="Wingdings" pitchFamily="2" charset="2"/>
-              </a:rPr>
-              <a:t>Contamination is not only from ttbar:</a:t>
-            </a:r>
-          </a:p>
-          <a:p>
-            <a:pPr marL="800100" lvl="1" indent="-342900">
-              <a:buFont typeface="Arial" panose="020B0604020202020204" pitchFamily="34" charset="0"/>
-              <a:buChar char="•"/>
-            </a:pPr>
-            <a:r>
-              <a:rPr lang="en-US" dirty="0">
-                <a:sym typeface="Wingdings" pitchFamily="2" charset="2"/>
-              </a:rPr>
-              <a:t>Subdominant </a:t>
-            </a:r>
-            <a:r>
-              <a:rPr lang="en-US" dirty="0" err="1">
-                <a:sym typeface="Wingdings" pitchFamily="2" charset="2"/>
-              </a:rPr>
-              <a:t>bkgs</a:t>
-            </a:r>
-            <a:r>
-              <a:rPr lang="en-US" dirty="0">
-                <a:sym typeface="Wingdings" pitchFamily="2" charset="2"/>
-              </a:rPr>
-              <a:t> contamination of CR as shown in Contamination plots</a:t>
-            </a:r>
-          </a:p>
-          <a:p>
-            <a:pPr marL="800100" lvl="1" indent="-342900">
-              <a:buFont typeface="Arial" panose="020B0604020202020204" pitchFamily="34" charset="0"/>
-              <a:buChar char="•"/>
-            </a:pPr>
-            <a:r>
-              <a:rPr lang="en-US" dirty="0">
-                <a:sym typeface="Wingdings" pitchFamily="2" charset="2"/>
-              </a:rPr>
-              <a:t>By looking at the Loose WP when inverting the </a:t>
-            </a:r>
-            <a:r>
-              <a:rPr lang="en-US" dirty="0" err="1">
-                <a:sym typeface="Wingdings" pitchFamily="2" charset="2"/>
-              </a:rPr>
-              <a:t>btagging</a:t>
-            </a:r>
-            <a:r>
-              <a:rPr lang="en-US" dirty="0">
-                <a:sym typeface="Wingdings" pitchFamily="2" charset="2"/>
-              </a:rPr>
-              <a:t> requirement:</a:t>
-            </a:r>
-          </a:p>
-          <a:p>
-            <a:pPr marL="1257300" lvl="2" indent="-342900">
-              <a:buFont typeface="Arial" panose="020B0604020202020204" pitchFamily="34" charset="0"/>
-              <a:buChar char="•"/>
-            </a:pPr>
-            <a:r>
-              <a:rPr lang="en-US" dirty="0">
-                <a:sym typeface="Wingdings" pitchFamily="2" charset="2"/>
-              </a:rPr>
-              <a:t>Ttbar contamination is much lower </a:t>
-            </a:r>
-          </a:p>
-          <a:p>
-            <a:pPr marL="1257300" lvl="2" indent="-342900">
-              <a:buFont typeface="Arial" panose="020B0604020202020204" pitchFamily="34" charset="0"/>
-              <a:buChar char="•"/>
-            </a:pPr>
-            <a:r>
-              <a:rPr lang="en-US" dirty="0">
-                <a:sym typeface="Wingdings" pitchFamily="2" charset="2"/>
-              </a:rPr>
-              <a:t>Subdominant </a:t>
-            </a:r>
-            <a:r>
-              <a:rPr lang="en-US" dirty="0" err="1">
-                <a:sym typeface="Wingdings" pitchFamily="2" charset="2"/>
-              </a:rPr>
-              <a:t>bkg</a:t>
-            </a:r>
-            <a:r>
-              <a:rPr lang="en-US" dirty="0">
-                <a:sym typeface="Wingdings" pitchFamily="2" charset="2"/>
-              </a:rPr>
-              <a:t> contamination is not affected much</a:t>
-            </a:r>
-          </a:p>
-          <a:p>
-            <a:pPr marL="1257300" lvl="2" indent="-342900">
-              <a:buFont typeface="Arial" panose="020B0604020202020204" pitchFamily="34" charset="0"/>
-              <a:buChar char="•"/>
-            </a:pPr>
-            <a:endParaRPr lang="en-US" dirty="0">
-              <a:sym typeface="Wingdings" pitchFamily="2" charset="2"/>
-            </a:endParaRPr>
-          </a:p>
-          <a:p>
-            <a:pPr marL="342900" indent="-342900">
-              <a:buFont typeface="Arial" panose="020B0604020202020204" pitchFamily="34" charset="0"/>
-              <a:buChar char="•"/>
-            </a:pPr>
-            <a:r>
-              <a:rPr lang="en-US" dirty="0">
-                <a:sym typeface="Wingdings" pitchFamily="2" charset="2"/>
-              </a:rPr>
-              <a:t>Mass fit results (fit only the 2btag region) by removing ttbar and subdominant </a:t>
-            </a:r>
-            <a:r>
-              <a:rPr lang="en-US" dirty="0" err="1">
-                <a:sym typeface="Wingdings" pitchFamily="2" charset="2"/>
-              </a:rPr>
-              <a:t>bkg</a:t>
-            </a:r>
-            <a:r>
-              <a:rPr lang="en-US" dirty="0">
-                <a:sym typeface="Wingdings" pitchFamily="2" charset="2"/>
-              </a:rPr>
-              <a:t> contributions from the data CR:</a:t>
-            </a:r>
-          </a:p>
-          <a:p>
-            <a:pPr marL="800100" lvl="1" indent="-342900">
-              <a:buFont typeface="Arial" panose="020B0604020202020204" pitchFamily="34" charset="0"/>
-              <a:buChar char="•"/>
-            </a:pPr>
-            <a:r>
-              <a:rPr lang="en-US" dirty="0">
-                <a:sym typeface="Wingdings" pitchFamily="2" charset="2"/>
-              </a:rPr>
-              <a:t>QCD = Data – Ttbar – Subdominant in CR</a:t>
-            </a:r>
-          </a:p>
-          <a:p>
-            <a:pPr marL="342900" indent="-342900">
-              <a:buFont typeface="Arial" panose="020B0604020202020204" pitchFamily="34" charset="0"/>
-              <a:buChar char="•"/>
-            </a:pPr>
-            <a:endParaRPr lang="en-US" dirty="0">
-              <a:sym typeface="Wingdings" pitchFamily="2" charset="2"/>
-            </a:endParaRPr>
-          </a:p>
-          <a:p>
-            <a:pPr marL="342900" indent="-342900">
-              <a:buFont typeface="Arial" panose="020B0604020202020204" pitchFamily="34" charset="0"/>
-              <a:buChar char="•"/>
-            </a:pPr>
-            <a:r>
-              <a:rPr lang="en-US" dirty="0">
-                <a:sym typeface="Wingdings" pitchFamily="2" charset="2"/>
-              </a:rPr>
-              <a:t>Simultaneous fit without removing the contributions of the ttbar and subdominant </a:t>
-            </a:r>
-            <a:r>
-              <a:rPr lang="en-US" dirty="0" err="1">
-                <a:sym typeface="Wingdings" pitchFamily="2" charset="2"/>
-              </a:rPr>
-              <a:t>bkgs</a:t>
-            </a:r>
-            <a:endParaRPr lang="en-US" dirty="0">
-              <a:sym typeface="Wingdings" pitchFamily="2" charset="2"/>
-            </a:endParaRPr>
-          </a:p>
-          <a:p>
-            <a:pPr marL="800100" lvl="1" indent="-342900">
-              <a:buFont typeface="Arial" panose="020B0604020202020204" pitchFamily="34" charset="0"/>
-              <a:buChar char="•"/>
-            </a:pPr>
-            <a:r>
-              <a:rPr lang="en-US" dirty="0">
-                <a:sym typeface="Wingdings" pitchFamily="2" charset="2"/>
-              </a:rPr>
-              <a:t>We let the fit do this for us</a:t>
-            </a:r>
-          </a:p>
-          <a:p>
-            <a:pPr marL="800100" lvl="1" indent="-342900">
-              <a:buFont typeface="Arial" panose="020B0604020202020204" pitchFamily="34" charset="0"/>
-              <a:buChar char="•"/>
-            </a:pPr>
-            <a:r>
-              <a:rPr lang="en-US" dirty="0">
-                <a:sym typeface="Wingdings" pitchFamily="2" charset="2"/>
-              </a:rPr>
-              <a:t>We leave b-tagging efficiency free to check that the result is compatible with what we have found from MC</a:t>
-            </a:r>
-          </a:p>
-          <a:p>
-            <a:pPr marL="342900" indent="-342900">
-              <a:buFont typeface="Arial" panose="020B0604020202020204" pitchFamily="34" charset="0"/>
-              <a:buChar char="•"/>
-            </a:pPr>
-            <a:endParaRPr lang="en-US" dirty="0">
-              <a:sym typeface="Wingdings" pitchFamily="2" charset="2"/>
-            </a:endParaRPr>
-          </a:p>
-          <a:p>
-            <a:pPr marL="342900" indent="-342900">
-              <a:buFont typeface="Arial" panose="020B0604020202020204" pitchFamily="34" charset="0"/>
-              <a:buChar char="•"/>
-            </a:pPr>
-            <a:r>
-              <a:rPr lang="en-US" dirty="0">
-                <a:sym typeface="Wingdings" pitchFamily="2" charset="2"/>
-              </a:rPr>
-              <a:t>Solution (?):  find a Subdominant </a:t>
-            </a:r>
-            <a:r>
-              <a:rPr lang="en-US" dirty="0" err="1">
-                <a:sym typeface="Wingdings" pitchFamily="2" charset="2"/>
-              </a:rPr>
-              <a:t>bkg</a:t>
-            </a:r>
-            <a:r>
-              <a:rPr lang="en-US" dirty="0">
-                <a:sym typeface="Wingdings" pitchFamily="2" charset="2"/>
-              </a:rPr>
-              <a:t> dominated region and perform a simultaneous fit in three regions:</a:t>
-            </a:r>
-          </a:p>
-          <a:p>
-            <a:pPr marL="800100" lvl="1" indent="-342900">
-              <a:buFont typeface="Arial" panose="020B0604020202020204" pitchFamily="34" charset="0"/>
-              <a:buChar char="•"/>
-            </a:pPr>
-            <a:r>
-              <a:rPr lang="en-US" dirty="0">
-                <a:sym typeface="Wingdings" pitchFamily="2" charset="2"/>
-              </a:rPr>
-              <a:t>Signal Region (ttbar dominated)</a:t>
-            </a:r>
-          </a:p>
-          <a:p>
-            <a:pPr marL="800100" lvl="1" indent="-342900">
-              <a:buFont typeface="Arial" panose="020B0604020202020204" pitchFamily="34" charset="0"/>
-              <a:buChar char="•"/>
-            </a:pPr>
-            <a:r>
-              <a:rPr lang="en-US" dirty="0">
-                <a:sym typeface="Wingdings" pitchFamily="2" charset="2"/>
-              </a:rPr>
-              <a:t>Control Region 1 (QCD dominated)</a:t>
-            </a:r>
-          </a:p>
-          <a:p>
-            <a:pPr marL="800100" lvl="1" indent="-342900">
-              <a:buFont typeface="Arial" panose="020B0604020202020204" pitchFamily="34" charset="0"/>
-              <a:buChar char="•"/>
-            </a:pPr>
-            <a:r>
-              <a:rPr lang="en-US" dirty="0">
-                <a:sym typeface="Wingdings" pitchFamily="2" charset="2"/>
-              </a:rPr>
-              <a:t>Control Region 2 (Subdominant </a:t>
-            </a:r>
-            <a:r>
-              <a:rPr lang="en-US" dirty="0" err="1">
-                <a:sym typeface="Wingdings" pitchFamily="2" charset="2"/>
-              </a:rPr>
-              <a:t>bkg</a:t>
-            </a:r>
-            <a:r>
-              <a:rPr lang="en-US" dirty="0">
-                <a:sym typeface="Wingdings" pitchFamily="2" charset="2"/>
-              </a:rPr>
-              <a:t> dominated)</a:t>
-            </a:r>
-          </a:p>
-          <a:p>
-            <a:pPr marL="800100" lvl="1" indent="-342900">
-              <a:buFont typeface="Arial" panose="020B0604020202020204" pitchFamily="34" charset="0"/>
-              <a:buChar char="•"/>
-            </a:pPr>
-            <a:endParaRPr lang="en-US" dirty="0">
-              <a:sym typeface="Wingdings" pitchFamily="2" charset="2"/>
-            </a:endParaRPr>
-          </a:p>
-          <a:p>
-            <a:pPr marL="342900" indent="-342900">
-              <a:buFont typeface="Arial" panose="020B0604020202020204" pitchFamily="34" charset="0"/>
-              <a:buChar char="•"/>
-            </a:pPr>
-            <a:r>
-              <a:rPr lang="en-US" dirty="0">
-                <a:sym typeface="Wingdings" pitchFamily="2" charset="2"/>
-              </a:rPr>
-              <a:t>All things shown today (except slide 5) use the previous </a:t>
-            </a:r>
-            <a:r>
-              <a:rPr lang="en-US" dirty="0" err="1">
-                <a:sym typeface="Wingdings" pitchFamily="2" charset="2"/>
-              </a:rPr>
-              <a:t>btagging</a:t>
-            </a:r>
-            <a:r>
-              <a:rPr lang="en-US" dirty="0">
-                <a:sym typeface="Wingdings" pitchFamily="2" charset="2"/>
-              </a:rPr>
-              <a:t> selection:</a:t>
-            </a:r>
-          </a:p>
-          <a:p>
-            <a:pPr marL="800100" lvl="1" indent="-342900">
-              <a:buFont typeface="Arial" panose="020B0604020202020204" pitchFamily="34" charset="0"/>
-              <a:buChar char="•"/>
-            </a:pPr>
-            <a:r>
-              <a:rPr lang="en-US" dirty="0">
-                <a:sym typeface="Wingdings" pitchFamily="2" charset="2"/>
-              </a:rPr>
-              <a:t>Medium b-tag WP for both Signal and Control Region</a:t>
-            </a:r>
-          </a:p>
-          <a:p>
-            <a:pPr marL="800100" lvl="1" indent="-342900">
-              <a:buFont typeface="Arial" panose="020B0604020202020204" pitchFamily="34" charset="0"/>
-              <a:buChar char="•"/>
-            </a:pPr>
-            <a:endParaRPr lang="en-US" dirty="0">
-              <a:sym typeface="Wingdings" pitchFamily="2" charset="2"/>
-            </a:endParaRPr>
-          </a:p>
-        </p:txBody>
-      </p:sp>
-      <p:sp>
-        <p:nvSpPr>
-          <p:cNvPr id="5" name="Slide Number Placeholder 4">
-            <a:extLst>
-              <a:ext uri="{FF2B5EF4-FFF2-40B4-BE49-F238E27FC236}">
-                <a16:creationId xmlns:a16="http://schemas.microsoft.com/office/drawing/2014/main" id="{69A96869-DB60-5345-ACD9-F1C41035B064}"/>
-              </a:ext>
-            </a:extLst>
-          </p:cNvPr>
+          <p:cNvPr id="4" name="Slide Number Placeholder 3"/>
           <p:cNvSpPr>
             <a:spLocks noGrp="1"/>
           </p:cNvSpPr>
@@ -12859,29 +12769,240 @@
       </p:sp>
       <p:sp>
         <p:nvSpPr>
-          <p:cNvPr id="24" name="Date Placeholder 23">
-            <a:extLst>
-              <a:ext uri="{FF2B5EF4-FFF2-40B4-BE49-F238E27FC236}">
-                <a16:creationId xmlns:a16="http://schemas.microsoft.com/office/drawing/2014/main" id="{056D71EF-2E89-4043-8F92-90A4D46A3E69}"/>
-              </a:ext>
-            </a:extLst>
-          </p:cNvPr>
-          <p:cNvSpPr>
-            <a:spLocks noGrp="1"/>
-          </p:cNvSpPr>
-          <p:nvPr>
-            <p:ph type="dt" sz="half" idx="10"/>
-          </p:nvPr>
-        </p:nvSpPr>
-        <p:spPr/>
-        <p:txBody>
-          <a:bodyPr/>
-          <a:lstStyle/>
-          <a:p>
-            <a:fld id="{A495A033-A54B-4F41-92C4-F7053274BB0C}" type="datetime1">
-              <a:rPr lang="en-US" smtClean="0"/>
-              <a:t>5/28/20</a:t>
-            </a:fld>
+          <p:cNvPr id="5" name="Title 4"/>
+          <p:cNvSpPr>
+            <a:spLocks noGrp="1"/>
+          </p:cNvSpPr>
+          <p:nvPr>
+            <p:ph type="title" idx="4294967295"/>
+          </p:nvPr>
+        </p:nvSpPr>
+        <p:spPr>
+          <a:xfrm>
+            <a:off x="0" y="179473"/>
+            <a:ext cx="7286324" cy="746308"/>
+          </a:xfrm>
+        </p:spPr>
+        <p:txBody>
+          <a:bodyPr>
+            <a:noAutofit/>
+          </a:bodyPr>
+          <a:lstStyle/>
+          <a:p>
+            <a:r>
+              <a:rPr lang="en-GB" dirty="0"/>
+              <a:t>Introduction</a:t>
+            </a:r>
+          </a:p>
+        </p:txBody>
+      </p:sp>
+      <p:sp>
+        <p:nvSpPr>
+          <p:cNvPr id="7" name="TextBox 6"/>
+          <p:cNvSpPr txBox="1"/>
+          <p:nvPr/>
+        </p:nvSpPr>
+        <p:spPr>
+          <a:xfrm>
+            <a:off x="130629" y="937162"/>
+            <a:ext cx="11771786" cy="5078313"/>
+          </a:xfrm>
+          <a:prstGeom prst="rect">
+            <a:avLst/>
+          </a:prstGeom>
+          <a:noFill/>
+        </p:spPr>
+        <p:txBody>
+          <a:bodyPr wrap="square" rtlCol="0">
+            <a:spAutoFit/>
+          </a:bodyPr>
+          <a:lstStyle/>
+          <a:p>
+            <a:pPr marL="285750" indent="-285750">
+              <a:buClr>
+                <a:schemeClr val="accent1"/>
+              </a:buClr>
+              <a:buFont typeface="Arial" panose="020B0604020202020204" pitchFamily="34" charset="0"/>
+              <a:buChar char="•"/>
+            </a:pPr>
+            <a:r>
+              <a:rPr lang="en-US" dirty="0"/>
+              <a:t>We have identified that the contamination in the control region coming form the subdominant processes is also significant and, in some cases, even more significant than the one coming from ttbar. </a:t>
+            </a:r>
+          </a:p>
+          <a:p>
+            <a:pPr marL="285750" indent="-285750">
+              <a:buClr>
+                <a:schemeClr val="accent1"/>
+              </a:buClr>
+              <a:buFont typeface="Arial" panose="020B0604020202020204" pitchFamily="34" charset="0"/>
+              <a:buChar char="•"/>
+            </a:pPr>
+            <a:r>
+              <a:rPr lang="en-US" dirty="0"/>
+              <a:t>Although it can be seen that selecting the b-tagging  loose working point for our control region improves the situation concerning the ttbar contamination, the subdominant </a:t>
+            </a:r>
+            <a:r>
+              <a:rPr lang="en-US" dirty="0" err="1"/>
+              <a:t>bkg</a:t>
+            </a:r>
+            <a:r>
+              <a:rPr lang="en-US" dirty="0"/>
+              <a:t>  still remains significant especially in the area around the W mass.</a:t>
+            </a:r>
+          </a:p>
+          <a:p>
+            <a:pPr>
+              <a:buClr>
+                <a:schemeClr val="accent1"/>
+              </a:buClr>
+            </a:pPr>
+            <a:endParaRPr lang="en-US" dirty="0"/>
+          </a:p>
+          <a:p>
+            <a:pPr>
+              <a:buClr>
+                <a:schemeClr val="accent1"/>
+              </a:buClr>
+            </a:pPr>
+            <a:r>
+              <a:rPr lang="en-US" dirty="0"/>
+              <a:t>We tried 3 different fitting methods, all using the medium b-tagging working point for both regions (Signal and Control</a:t>
+            </a:r>
+            <a:br>
+              <a:rPr lang="en-US" dirty="0"/>
+            </a:br>
+            <a:r>
+              <a:rPr lang="en-US" dirty="0"/>
+              <a:t>region).</a:t>
+            </a:r>
+          </a:p>
+          <a:p>
+            <a:pPr>
+              <a:buClr>
+                <a:schemeClr val="accent1"/>
+              </a:buClr>
+            </a:pPr>
+            <a:endParaRPr lang="en-US" dirty="0"/>
+          </a:p>
+          <a:p>
+            <a:pPr marL="285750" indent="-285750">
+              <a:buClr>
+                <a:schemeClr val="accent1"/>
+              </a:buClr>
+              <a:buFont typeface="Arial" panose="020B0604020202020204" pitchFamily="34" charset="0"/>
+              <a:buChar char="•"/>
+            </a:pPr>
+            <a:r>
+              <a:rPr lang="en-US" dirty="0"/>
+              <a:t>First, we fit only the 2btag region but we use a ttbar and subdominant </a:t>
+            </a:r>
+            <a:r>
+              <a:rPr lang="en-US" dirty="0" err="1"/>
+              <a:t>bkg</a:t>
+            </a:r>
+            <a:r>
+              <a:rPr lang="en-US" dirty="0"/>
+              <a:t> free area to generate the </a:t>
+            </a:r>
+            <a:r>
+              <a:rPr lang="en-US" dirty="0" err="1"/>
+              <a:t>qcd</a:t>
+            </a:r>
+            <a:r>
+              <a:rPr lang="en-US" dirty="0"/>
+              <a:t> template.</a:t>
+            </a:r>
+            <a:br>
+              <a:rPr lang="en-US" dirty="0"/>
+            </a:br>
+            <a:r>
+              <a:rPr lang="en-US" dirty="0"/>
+              <a:t>We calculate this area using QCD = Data(0btag) – </a:t>
+            </a:r>
+            <a:r>
+              <a:rPr lang="en-US" dirty="0" err="1"/>
+              <a:t>ttbar</a:t>
+            </a:r>
+            <a:r>
+              <a:rPr lang="en-US" dirty="0"/>
+              <a:t> (0btag) – subdominant (0btag) where both </a:t>
+            </a:r>
+            <a:r>
+              <a:rPr lang="en-US" dirty="0" err="1"/>
+              <a:t>ttbar</a:t>
+            </a:r>
+            <a:r>
+              <a:rPr lang="en-US" dirty="0"/>
+              <a:t> and subdominant </a:t>
+            </a:r>
+            <a:br>
+              <a:rPr lang="en-US" dirty="0"/>
+            </a:br>
+            <a:r>
+              <a:rPr lang="en-US" dirty="0"/>
+              <a:t>are taken from MC.</a:t>
+            </a:r>
+          </a:p>
+          <a:p>
+            <a:pPr>
+              <a:buClr>
+                <a:schemeClr val="accent1"/>
+              </a:buClr>
+            </a:pPr>
+            <a:endParaRPr lang="en-US" dirty="0"/>
+          </a:p>
+          <a:p>
+            <a:pPr marL="285750" indent="-285750">
+              <a:buClr>
+                <a:schemeClr val="accent1"/>
+              </a:buClr>
+              <a:buFont typeface="Arial" panose="020B0604020202020204" pitchFamily="34" charset="0"/>
+              <a:buChar char="•"/>
+            </a:pPr>
+            <a:r>
+              <a:rPr lang="en-US" dirty="0"/>
+              <a:t>We do a simultaneous fit in the 0btag and 2 </a:t>
+            </a:r>
+            <a:r>
+              <a:rPr lang="en-US" dirty="0" err="1"/>
+              <a:t>btag</a:t>
+            </a:r>
+            <a:r>
+              <a:rPr lang="en-US" dirty="0"/>
+              <a:t> regions where we add an extra Gaussian in the QCD template in order to</a:t>
+            </a:r>
+            <a:br>
+              <a:rPr lang="en-US" dirty="0"/>
+            </a:br>
+            <a:r>
+              <a:rPr lang="en-US" dirty="0"/>
+              <a:t>compensate for the contamination coming from the subdominant backgrounds.</a:t>
+            </a:r>
+          </a:p>
+          <a:p>
+            <a:pPr>
+              <a:buClr>
+                <a:schemeClr val="accent1"/>
+              </a:buClr>
+            </a:pPr>
+            <a:endParaRPr lang="en-US" dirty="0"/>
+          </a:p>
+          <a:p>
+            <a:pPr marL="285750" indent="-285750">
+              <a:buClr>
+                <a:schemeClr val="accent1"/>
+              </a:buClr>
+              <a:buFont typeface="Arial" panose="020B0604020202020204" pitchFamily="34" charset="0"/>
+              <a:buChar char="•"/>
+            </a:pPr>
+            <a:r>
+              <a:rPr lang="en-US" dirty="0"/>
+              <a:t>We do a simultaneous fit where we use the initial fitting procedure with nothing extra.</a:t>
+            </a:r>
+            <a:br>
+              <a:rPr lang="en-US" dirty="0"/>
+            </a:br>
             <a:endParaRPr lang="en-US" dirty="0"/>
           </a:p>
         </p:txBody>
@@ -12889,7 +13010,7 @@
     </p:spTree>
     <p:extLst>
       <p:ext uri="{BB962C8B-B14F-4D97-AF65-F5344CB8AC3E}">
-        <p14:creationId xmlns:p14="http://schemas.microsoft.com/office/powerpoint/2010/main" val="3160403283"/>
+        <p14:creationId xmlns:p14="http://schemas.microsoft.com/office/powerpoint/2010/main" val="577640211"/>
       </p:ext>
     </p:extLst>
   </p:cSld>
@@ -13034,9 +13155,9 @@
           <a:bodyPr/>
           <a:lstStyle/>
           <a:p>
-            <a:fld id="{A495A033-A54B-4F41-92C4-F7053274BB0C}" type="datetime1">
+            <a:fld id="{F7AFF6A5-F1FB-284A-BF72-2836D5A0B341}" type="datetime1">
               <a:rPr lang="en-US" smtClean="0"/>
-              <a:t>5/28/20</a:t>
+              <a:t>5/29/20</a:t>
             </a:fld>
             <a:endParaRPr lang="en-US" dirty="0"/>
           </a:p>
@@ -14102,20 +14223,137 @@
           <a:bodyPr/>
           <a:lstStyle/>
           <a:p>
-            <a:fld id="{A495A033-A54B-4F41-92C4-F7053274BB0C}" type="datetime1">
+            <a:fld id="{01554C39-4607-164F-AA23-65A72270ACF7}" type="datetime1">
               <a:rPr lang="en-US" smtClean="0"/>
-              <a:t>5/28/20</a:t>
+              <a:t>5/29/20</a:t>
             </a:fld>
             <a:endParaRPr lang="en-US" dirty="0"/>
           </a:p>
         </p:txBody>
       </p:sp>
+      <p:sp>
+        <p:nvSpPr>
+          <p:cNvPr id="13" name="TextBox 12">
+            <a:extLst>
+              <a:ext uri="{FF2B5EF4-FFF2-40B4-BE49-F238E27FC236}">
+                <a16:creationId xmlns:a16="http://schemas.microsoft.com/office/drawing/2014/main" id="{D7E378F9-5A26-1347-BF6A-1EEABD2AA67E}"/>
+              </a:ext>
+            </a:extLst>
+          </p:cNvPr>
+          <p:cNvSpPr txBox="1"/>
+          <p:nvPr/>
+        </p:nvSpPr>
+        <p:spPr>
+          <a:xfrm>
+            <a:off x="9899245" y="1100138"/>
+            <a:ext cx="657225" cy="369332"/>
+          </a:xfrm>
+          <a:prstGeom prst="rect">
+            <a:avLst/>
+          </a:prstGeom>
+          <a:noFill/>
+        </p:spPr>
+        <p:txBody>
+          <a:bodyPr wrap="square" rtlCol="0">
+            <a:spAutoFit/>
+          </a:bodyPr>
+          <a:lstStyle/>
+          <a:p>
+            <a:r>
+              <a:rPr lang="en-GR" dirty="0">
+                <a:solidFill>
+                  <a:srgbClr val="00B050"/>
+                </a:solidFill>
+              </a:rPr>
+              <a:t>2018</a:t>
+            </a:r>
+          </a:p>
+        </p:txBody>
+      </p:sp>
+      <p:sp>
+        <p:nvSpPr>
+          <p:cNvPr id="17" name="TextBox 16">
+            <a:extLst>
+              <a:ext uri="{FF2B5EF4-FFF2-40B4-BE49-F238E27FC236}">
+                <a16:creationId xmlns:a16="http://schemas.microsoft.com/office/drawing/2014/main" id="{B35CDA53-97CD-C042-8F7C-E0E2F6C19514}"/>
+              </a:ext>
+            </a:extLst>
+          </p:cNvPr>
+          <p:cNvSpPr txBox="1"/>
+          <p:nvPr/>
+        </p:nvSpPr>
+        <p:spPr>
+          <a:xfrm>
+            <a:off x="5767386" y="1100138"/>
+            <a:ext cx="657225" cy="369332"/>
+          </a:xfrm>
+          <a:prstGeom prst="rect">
+            <a:avLst/>
+          </a:prstGeom>
+          <a:noFill/>
+        </p:spPr>
+        <p:txBody>
+          <a:bodyPr wrap="square" rtlCol="0">
+            <a:spAutoFit/>
+          </a:bodyPr>
+          <a:lstStyle/>
+          <a:p>
+            <a:r>
+              <a:rPr lang="en-GR" dirty="0">
+                <a:solidFill>
+                  <a:srgbClr val="FF0000"/>
+                </a:solidFill>
+              </a:rPr>
+              <a:t>2017</a:t>
+            </a:r>
+          </a:p>
+        </p:txBody>
+      </p:sp>
+      <p:sp>
+        <p:nvSpPr>
+          <p:cNvPr id="18" name="TextBox 17">
+            <a:extLst>
+              <a:ext uri="{FF2B5EF4-FFF2-40B4-BE49-F238E27FC236}">
+                <a16:creationId xmlns:a16="http://schemas.microsoft.com/office/drawing/2014/main" id="{F4CDAE1D-B867-604C-824D-D297E2A998B5}"/>
+              </a:ext>
+            </a:extLst>
+          </p:cNvPr>
+          <p:cNvSpPr txBox="1"/>
+          <p:nvPr/>
+        </p:nvSpPr>
+        <p:spPr>
+          <a:xfrm>
+            <a:off x="1635527" y="1099067"/>
+            <a:ext cx="657225" cy="369332"/>
+          </a:xfrm>
+          <a:prstGeom prst="rect">
+            <a:avLst/>
+          </a:prstGeom>
+          <a:noFill/>
+        </p:spPr>
+        <p:txBody>
+          <a:bodyPr wrap="square" rtlCol="0">
+            <a:spAutoFit/>
+          </a:bodyPr>
+          <a:lstStyle/>
+          <a:p>
+            <a:r>
+              <a:rPr lang="en-GR" dirty="0">
+                <a:solidFill>
+                  <a:srgbClr val="0070C0"/>
+                </a:solidFill>
+              </a:rPr>
+              <a:t>2016</a:t>
+            </a:r>
+          </a:p>
+        </p:txBody>
+      </p:sp>
       <p:pic>
         <p:nvPicPr>
-          <p:cNvPr id="4" name="Picture 3">
+          <p:cNvPr id="6" name="Picture 5">
             <a:extLst>
               <a:ext uri="{FF2B5EF4-FFF2-40B4-BE49-F238E27FC236}">
-                <a16:creationId xmlns:a16="http://schemas.microsoft.com/office/drawing/2014/main" id="{5AFA6961-84B8-9744-9A11-7142E6758B43}"/>
+                <a16:creationId xmlns:a16="http://schemas.microsoft.com/office/drawing/2014/main" id="{94530E38-030C-2C4B-921B-6F1A30310FC0}"/>
               </a:ext>
             </a:extLst>
           </p:cNvPr>
@@ -14132,7 +14370,7 @@
         </p:blipFill>
         <p:spPr>
           <a:xfrm rot="5400000">
-            <a:off x="320421" y="1340739"/>
+            <a:off x="363285" y="1458750"/>
             <a:ext cx="3535680" cy="4176522"/>
           </a:xfrm>
           <a:prstGeom prst="rect">
@@ -14147,10 +14385,10 @@
       </p:pic>
       <p:pic>
         <p:nvPicPr>
-          <p:cNvPr id="10" name="Picture 9">
+          <p:cNvPr id="9" name="Picture 8">
             <a:extLst>
               <a:ext uri="{FF2B5EF4-FFF2-40B4-BE49-F238E27FC236}">
-                <a16:creationId xmlns:a16="http://schemas.microsoft.com/office/drawing/2014/main" id="{E4DFBC49-29A8-0C4A-AE74-7095F1CC4DE0}"/>
+                <a16:creationId xmlns:a16="http://schemas.microsoft.com/office/drawing/2014/main" id="{A11F6E12-E85A-6148-BFDC-3A1C35DD4D55}"/>
               </a:ext>
             </a:extLst>
           </p:cNvPr>
@@ -14167,7 +14405,7 @@
         </p:blipFill>
         <p:spPr>
           <a:xfrm rot="5400000">
-            <a:off x="4328160" y="1340738"/>
+            <a:off x="4230819" y="1458750"/>
             <a:ext cx="3535680" cy="4176522"/>
           </a:xfrm>
           <a:prstGeom prst="rect">
@@ -14182,10 +14420,10 @@
       </p:pic>
       <p:pic>
         <p:nvPicPr>
-          <p:cNvPr id="12" name="Picture 11">
+          <p:cNvPr id="16" name="Picture 15">
             <a:extLst>
               <a:ext uri="{FF2B5EF4-FFF2-40B4-BE49-F238E27FC236}">
-                <a16:creationId xmlns:a16="http://schemas.microsoft.com/office/drawing/2014/main" id="{BDF5B34D-A8A7-FB41-BC8E-42A5738A823E}"/>
+                <a16:creationId xmlns:a16="http://schemas.microsoft.com/office/drawing/2014/main" id="{210E39CE-89D5-D946-B063-5A216FB04547}"/>
               </a:ext>
             </a:extLst>
           </p:cNvPr>
@@ -14202,7 +14440,7 @@
         </p:blipFill>
         <p:spPr>
           <a:xfrm rot="5400000">
-            <a:off x="8335899" y="1340738"/>
+            <a:off x="8259994" y="1458750"/>
             <a:ext cx="3535680" cy="4176522"/>
           </a:xfrm>
           <a:prstGeom prst="rect">
@@ -14215,123 +14453,6 @@
           </a:ln>
         </p:spPr>
       </p:pic>
-      <p:sp>
-        <p:nvSpPr>
-          <p:cNvPr id="13" name="TextBox 12">
-            <a:extLst>
-              <a:ext uri="{FF2B5EF4-FFF2-40B4-BE49-F238E27FC236}">
-                <a16:creationId xmlns:a16="http://schemas.microsoft.com/office/drawing/2014/main" id="{D7E378F9-5A26-1347-BF6A-1EEABD2AA67E}"/>
-              </a:ext>
-            </a:extLst>
-          </p:cNvPr>
-          <p:cNvSpPr txBox="1"/>
-          <p:nvPr/>
-        </p:nvSpPr>
-        <p:spPr>
-          <a:xfrm>
-            <a:off x="9899245" y="1100138"/>
-            <a:ext cx="657225" cy="369332"/>
-          </a:xfrm>
-          <a:prstGeom prst="rect">
-            <a:avLst/>
-          </a:prstGeom>
-          <a:noFill/>
-        </p:spPr>
-        <p:txBody>
-          <a:bodyPr wrap="square" rtlCol="0">
-            <a:spAutoFit/>
-          </a:bodyPr>
-          <a:lstStyle/>
-          <a:p>
-            <a:r>
-              <a:rPr lang="en-GR" dirty="0">
-                <a:solidFill>
-                  <a:srgbClr val="00B050"/>
-                </a:solidFill>
-              </a:rPr>
-              <a:t>2018</a:t>
-            </a:r>
-          </a:p>
-        </p:txBody>
-      </p:sp>
-      <p:sp>
-        <p:nvSpPr>
-          <p:cNvPr id="17" name="TextBox 16">
-            <a:extLst>
-              <a:ext uri="{FF2B5EF4-FFF2-40B4-BE49-F238E27FC236}">
-                <a16:creationId xmlns:a16="http://schemas.microsoft.com/office/drawing/2014/main" id="{B35CDA53-97CD-C042-8F7C-E0E2F6C19514}"/>
-              </a:ext>
-            </a:extLst>
-          </p:cNvPr>
-          <p:cNvSpPr txBox="1"/>
-          <p:nvPr/>
-        </p:nvSpPr>
-        <p:spPr>
-          <a:xfrm>
-            <a:off x="5767386" y="1100138"/>
-            <a:ext cx="657225" cy="369332"/>
-          </a:xfrm>
-          <a:prstGeom prst="rect">
-            <a:avLst/>
-          </a:prstGeom>
-          <a:noFill/>
-        </p:spPr>
-        <p:txBody>
-          <a:bodyPr wrap="square" rtlCol="0">
-            <a:spAutoFit/>
-          </a:bodyPr>
-          <a:lstStyle/>
-          <a:p>
-            <a:r>
-              <a:rPr lang="en-GR" dirty="0">
-                <a:solidFill>
-                  <a:srgbClr val="FF0000"/>
-                </a:solidFill>
-              </a:rPr>
-              <a:t>2017</a:t>
-            </a:r>
-          </a:p>
-        </p:txBody>
-      </p:sp>
-      <p:sp>
-        <p:nvSpPr>
-          <p:cNvPr id="18" name="TextBox 17">
-            <a:extLst>
-              <a:ext uri="{FF2B5EF4-FFF2-40B4-BE49-F238E27FC236}">
-                <a16:creationId xmlns:a16="http://schemas.microsoft.com/office/drawing/2014/main" id="{F4CDAE1D-B867-604C-824D-D297E2A998B5}"/>
-              </a:ext>
-            </a:extLst>
-          </p:cNvPr>
-          <p:cNvSpPr txBox="1"/>
-          <p:nvPr/>
-        </p:nvSpPr>
-        <p:spPr>
-          <a:xfrm>
-            <a:off x="1635527" y="1099067"/>
-            <a:ext cx="657225" cy="369332"/>
-          </a:xfrm>
-          <a:prstGeom prst="rect">
-            <a:avLst/>
-          </a:prstGeom>
-          <a:noFill/>
-        </p:spPr>
-        <p:txBody>
-          <a:bodyPr wrap="square" rtlCol="0">
-            <a:spAutoFit/>
-          </a:bodyPr>
-          <a:lstStyle/>
-          <a:p>
-            <a:r>
-              <a:rPr lang="en-GR" dirty="0">
-                <a:solidFill>
-                  <a:srgbClr val="0070C0"/>
-                </a:solidFill>
-              </a:rPr>
-              <a:t>2016</a:t>
-            </a:r>
-          </a:p>
-        </p:txBody>
-      </p:sp>
     </p:spTree>
     <p:extLst>
       <p:ext uri="{BB962C8B-B14F-4D97-AF65-F5344CB8AC3E}">
@@ -14470,20 +14591,137 @@
           <a:bodyPr/>
           <a:lstStyle/>
           <a:p>
-            <a:fld id="{A495A033-A54B-4F41-92C4-F7053274BB0C}" type="datetime1">
+            <a:fld id="{5A93C3B1-F588-9E46-B006-C4D73A3732BC}" type="datetime1">
               <a:rPr lang="en-US" smtClean="0"/>
-              <a:t>5/28/20</a:t>
+              <a:t>5/29/20</a:t>
             </a:fld>
             <a:endParaRPr lang="en-US" dirty="0"/>
           </a:p>
         </p:txBody>
       </p:sp>
+      <p:sp>
+        <p:nvSpPr>
+          <p:cNvPr id="12" name="TextBox 11">
+            <a:extLst>
+              <a:ext uri="{FF2B5EF4-FFF2-40B4-BE49-F238E27FC236}">
+                <a16:creationId xmlns:a16="http://schemas.microsoft.com/office/drawing/2014/main" id="{158732C7-391B-194E-B0FA-23B61C09D61D}"/>
+              </a:ext>
+            </a:extLst>
+          </p:cNvPr>
+          <p:cNvSpPr txBox="1"/>
+          <p:nvPr/>
+        </p:nvSpPr>
+        <p:spPr>
+          <a:xfrm>
+            <a:off x="9899245" y="1100138"/>
+            <a:ext cx="657225" cy="369332"/>
+          </a:xfrm>
+          <a:prstGeom prst="rect">
+            <a:avLst/>
+          </a:prstGeom>
+          <a:noFill/>
+        </p:spPr>
+        <p:txBody>
+          <a:bodyPr wrap="square" rtlCol="0">
+            <a:spAutoFit/>
+          </a:bodyPr>
+          <a:lstStyle/>
+          <a:p>
+            <a:r>
+              <a:rPr lang="en-GR" dirty="0">
+                <a:solidFill>
+                  <a:srgbClr val="00B050"/>
+                </a:solidFill>
+              </a:rPr>
+              <a:t>2018</a:t>
+            </a:r>
+          </a:p>
+        </p:txBody>
+      </p:sp>
+      <p:sp>
+        <p:nvSpPr>
+          <p:cNvPr id="13" name="TextBox 12">
+            <a:extLst>
+              <a:ext uri="{FF2B5EF4-FFF2-40B4-BE49-F238E27FC236}">
+                <a16:creationId xmlns:a16="http://schemas.microsoft.com/office/drawing/2014/main" id="{161E1CCE-220E-6945-8C82-9FAD05F2768C}"/>
+              </a:ext>
+            </a:extLst>
+          </p:cNvPr>
+          <p:cNvSpPr txBox="1"/>
+          <p:nvPr/>
+        </p:nvSpPr>
+        <p:spPr>
+          <a:xfrm>
+            <a:off x="5767386" y="1100138"/>
+            <a:ext cx="657225" cy="369332"/>
+          </a:xfrm>
+          <a:prstGeom prst="rect">
+            <a:avLst/>
+          </a:prstGeom>
+          <a:noFill/>
+        </p:spPr>
+        <p:txBody>
+          <a:bodyPr wrap="square" rtlCol="0">
+            <a:spAutoFit/>
+          </a:bodyPr>
+          <a:lstStyle/>
+          <a:p>
+            <a:r>
+              <a:rPr lang="en-GR" dirty="0">
+                <a:solidFill>
+                  <a:srgbClr val="FF0000"/>
+                </a:solidFill>
+              </a:rPr>
+              <a:t>2017</a:t>
+            </a:r>
+          </a:p>
+        </p:txBody>
+      </p:sp>
+      <p:sp>
+        <p:nvSpPr>
+          <p:cNvPr id="14" name="TextBox 13">
+            <a:extLst>
+              <a:ext uri="{FF2B5EF4-FFF2-40B4-BE49-F238E27FC236}">
+                <a16:creationId xmlns:a16="http://schemas.microsoft.com/office/drawing/2014/main" id="{99449CB1-919A-0F43-9464-589BEEF62C37}"/>
+              </a:ext>
+            </a:extLst>
+          </p:cNvPr>
+          <p:cNvSpPr txBox="1"/>
+          <p:nvPr/>
+        </p:nvSpPr>
+        <p:spPr>
+          <a:xfrm>
+            <a:off x="1635527" y="1099067"/>
+            <a:ext cx="657225" cy="369332"/>
+          </a:xfrm>
+          <a:prstGeom prst="rect">
+            <a:avLst/>
+          </a:prstGeom>
+          <a:noFill/>
+        </p:spPr>
+        <p:txBody>
+          <a:bodyPr wrap="square" rtlCol="0">
+            <a:spAutoFit/>
+          </a:bodyPr>
+          <a:lstStyle/>
+          <a:p>
+            <a:r>
+              <a:rPr lang="en-GR" dirty="0">
+                <a:solidFill>
+                  <a:srgbClr val="0070C0"/>
+                </a:solidFill>
+              </a:rPr>
+              <a:t>2016</a:t>
+            </a:r>
+          </a:p>
+        </p:txBody>
+      </p:sp>
       <p:pic>
         <p:nvPicPr>
-          <p:cNvPr id="4" name="Picture 3">
+          <p:cNvPr id="6" name="Picture 5">
             <a:extLst>
               <a:ext uri="{FF2B5EF4-FFF2-40B4-BE49-F238E27FC236}">
-                <a16:creationId xmlns:a16="http://schemas.microsoft.com/office/drawing/2014/main" id="{7DDCAB70-9C2E-A249-AD11-AB229713598E}"/>
+                <a16:creationId xmlns:a16="http://schemas.microsoft.com/office/drawing/2014/main" id="{A2095FC9-8801-6F48-B815-660CFE74A456}"/>
               </a:ext>
             </a:extLst>
           </p:cNvPr>
@@ -14500,7 +14738,7 @@
         </p:blipFill>
         <p:spPr>
           <a:xfrm rot="5400000">
-            <a:off x="320421" y="1340739"/>
+            <a:off x="320421" y="1561931"/>
             <a:ext cx="3535680" cy="4176522"/>
           </a:xfrm>
           <a:prstGeom prst="rect">
@@ -14515,10 +14753,10 @@
       </p:pic>
       <p:pic>
         <p:nvPicPr>
-          <p:cNvPr id="8" name="Picture 7">
+          <p:cNvPr id="11" name="Picture 10">
             <a:extLst>
               <a:ext uri="{FF2B5EF4-FFF2-40B4-BE49-F238E27FC236}">
-                <a16:creationId xmlns:a16="http://schemas.microsoft.com/office/drawing/2014/main" id="{4C68F3F0-8C89-4648-89D1-DE6A9E00BB36}"/>
+                <a16:creationId xmlns:a16="http://schemas.microsoft.com/office/drawing/2014/main" id="{E82C49E6-2AE9-9E41-988E-DFDAAC2CB4FA}"/>
               </a:ext>
             </a:extLst>
           </p:cNvPr>
@@ -14535,13 +14773,13 @@
         </p:blipFill>
         <p:spPr>
           <a:xfrm rot="5400000">
-            <a:off x="4328158" y="1340739"/>
+            <a:off x="4382639" y="1561931"/>
             <a:ext cx="3535680" cy="4176522"/>
           </a:xfrm>
           <a:prstGeom prst="rect">
             <a:avLst/>
           </a:prstGeom>
-          <a:ln w="28575">
+          <a:ln w="25400">
             <a:solidFill>
               <a:srgbClr val="FF0000"/>
             </a:solidFill>
@@ -14550,10 +14788,10 @@
       </p:pic>
       <p:pic>
         <p:nvPicPr>
-          <p:cNvPr id="10" name="Picture 9">
+          <p:cNvPr id="16" name="Picture 15">
             <a:extLst>
               <a:ext uri="{FF2B5EF4-FFF2-40B4-BE49-F238E27FC236}">
-                <a16:creationId xmlns:a16="http://schemas.microsoft.com/office/drawing/2014/main" id="{DCAAD9D7-54F7-BD40-BDE5-DC4401B78A58}"/>
+                <a16:creationId xmlns:a16="http://schemas.microsoft.com/office/drawing/2014/main" id="{F10E15F9-82F7-1045-B8E9-E6D3202F4E80}"/>
               </a:ext>
             </a:extLst>
           </p:cNvPr>
@@ -14570,7 +14808,7 @@
         </p:blipFill>
         <p:spPr>
           <a:xfrm rot="5400000">
-            <a:off x="8335901" y="1340738"/>
+            <a:off x="8364475" y="1573351"/>
             <a:ext cx="3535680" cy="4176522"/>
           </a:xfrm>
           <a:prstGeom prst="rect">
@@ -14583,123 +14821,6 @@
           </a:ln>
         </p:spPr>
       </p:pic>
-      <p:sp>
-        <p:nvSpPr>
-          <p:cNvPr id="12" name="TextBox 11">
-            <a:extLst>
-              <a:ext uri="{FF2B5EF4-FFF2-40B4-BE49-F238E27FC236}">
-                <a16:creationId xmlns:a16="http://schemas.microsoft.com/office/drawing/2014/main" id="{158732C7-391B-194E-B0FA-23B61C09D61D}"/>
-              </a:ext>
-            </a:extLst>
-          </p:cNvPr>
-          <p:cNvSpPr txBox="1"/>
-          <p:nvPr/>
-        </p:nvSpPr>
-        <p:spPr>
-          <a:xfrm>
-            <a:off x="9899245" y="1100138"/>
-            <a:ext cx="657225" cy="369332"/>
-          </a:xfrm>
-          <a:prstGeom prst="rect">
-            <a:avLst/>
-          </a:prstGeom>
-          <a:noFill/>
-        </p:spPr>
-        <p:txBody>
-          <a:bodyPr wrap="square" rtlCol="0">
-            <a:spAutoFit/>
-          </a:bodyPr>
-          <a:lstStyle/>
-          <a:p>
-            <a:r>
-              <a:rPr lang="en-GR" dirty="0">
-                <a:solidFill>
-                  <a:srgbClr val="00B050"/>
-                </a:solidFill>
-              </a:rPr>
-              <a:t>2018</a:t>
-            </a:r>
-          </a:p>
-        </p:txBody>
-      </p:sp>
-      <p:sp>
-        <p:nvSpPr>
-          <p:cNvPr id="13" name="TextBox 12">
-            <a:extLst>
-              <a:ext uri="{FF2B5EF4-FFF2-40B4-BE49-F238E27FC236}">
-                <a16:creationId xmlns:a16="http://schemas.microsoft.com/office/drawing/2014/main" id="{161E1CCE-220E-6945-8C82-9FAD05F2768C}"/>
-              </a:ext>
-            </a:extLst>
-          </p:cNvPr>
-          <p:cNvSpPr txBox="1"/>
-          <p:nvPr/>
-        </p:nvSpPr>
-        <p:spPr>
-          <a:xfrm>
-            <a:off x="5767386" y="1100138"/>
-            <a:ext cx="657225" cy="369332"/>
-          </a:xfrm>
-          <a:prstGeom prst="rect">
-            <a:avLst/>
-          </a:prstGeom>
-          <a:noFill/>
-        </p:spPr>
-        <p:txBody>
-          <a:bodyPr wrap="square" rtlCol="0">
-            <a:spAutoFit/>
-          </a:bodyPr>
-          <a:lstStyle/>
-          <a:p>
-            <a:r>
-              <a:rPr lang="en-GR" dirty="0">
-                <a:solidFill>
-                  <a:srgbClr val="FF0000"/>
-                </a:solidFill>
-              </a:rPr>
-              <a:t>2017</a:t>
-            </a:r>
-          </a:p>
-        </p:txBody>
-      </p:sp>
-      <p:sp>
-        <p:nvSpPr>
-          <p:cNvPr id="14" name="TextBox 13">
-            <a:extLst>
-              <a:ext uri="{FF2B5EF4-FFF2-40B4-BE49-F238E27FC236}">
-                <a16:creationId xmlns:a16="http://schemas.microsoft.com/office/drawing/2014/main" id="{99449CB1-919A-0F43-9464-589BEEF62C37}"/>
-              </a:ext>
-            </a:extLst>
-          </p:cNvPr>
-          <p:cNvSpPr txBox="1"/>
-          <p:nvPr/>
-        </p:nvSpPr>
-        <p:spPr>
-          <a:xfrm>
-            <a:off x="1635527" y="1099067"/>
-            <a:ext cx="657225" cy="369332"/>
-          </a:xfrm>
-          <a:prstGeom prst="rect">
-            <a:avLst/>
-          </a:prstGeom>
-          <a:noFill/>
-        </p:spPr>
-        <p:txBody>
-          <a:bodyPr wrap="square" rtlCol="0">
-            <a:spAutoFit/>
-          </a:bodyPr>
-          <a:lstStyle/>
-          <a:p>
-            <a:r>
-              <a:rPr lang="en-GR" dirty="0">
-                <a:solidFill>
-                  <a:srgbClr val="0070C0"/>
-                </a:solidFill>
-              </a:rPr>
-              <a:t>2016</a:t>
-            </a:r>
-          </a:p>
-        </p:txBody>
-      </p:sp>
     </p:spTree>
     <p:extLst>
       <p:ext uri="{BB962C8B-B14F-4D97-AF65-F5344CB8AC3E}">
@@ -14837,9 +14958,9 @@
           <a:bodyPr/>
           <a:lstStyle/>
           <a:p>
-            <a:fld id="{A495A033-A54B-4F41-92C4-F7053274BB0C}" type="datetime1">
+            <a:fld id="{434CBF92-1E6D-DA4E-BD46-829537D8FB22}" type="datetime1">
               <a:rPr lang="en-US" smtClean="0"/>
-              <a:t>5/28/20</a:t>
+              <a:t>5/29/20</a:t>
             </a:fld>
             <a:endParaRPr lang="en-US" dirty="0"/>
           </a:p>
@@ -15318,6 +15439,58 @@
           </a:prstGeom>
         </p:spPr>
       </p:pic>
+      <p:sp>
+        <p:nvSpPr>
+          <p:cNvPr id="2" name="Oval 1">
+            <a:extLst>
+              <a:ext uri="{FF2B5EF4-FFF2-40B4-BE49-F238E27FC236}">
+                <a16:creationId xmlns:a16="http://schemas.microsoft.com/office/drawing/2014/main" id="{82052B5E-FBF1-F247-A19B-55CACC4C0517}"/>
+              </a:ext>
+            </a:extLst>
+          </p:cNvPr>
+          <p:cNvSpPr/>
+          <p:nvPr/>
+        </p:nvSpPr>
+        <p:spPr>
+          <a:xfrm>
+            <a:off x="4176522" y="4161958"/>
+            <a:ext cx="762000" cy="620525"/>
+          </a:xfrm>
+          <a:prstGeom prst="ellipse">
+            <a:avLst/>
+          </a:prstGeom>
+          <a:noFill/>
+          <a:ln>
+            <a:solidFill>
+              <a:schemeClr val="accent1"/>
+            </a:solidFill>
+          </a:ln>
+        </p:spPr>
+        <p:style>
+          <a:lnRef idx="2">
+            <a:schemeClr val="accent1">
+              <a:shade val="50000"/>
+            </a:schemeClr>
+          </a:lnRef>
+          <a:fillRef idx="1">
+            <a:schemeClr val="accent1"/>
+          </a:fillRef>
+          <a:effectRef idx="0">
+            <a:schemeClr val="accent1"/>
+          </a:effectRef>
+          <a:fontRef idx="minor">
+            <a:schemeClr val="lt1"/>
+          </a:fontRef>
+        </p:style>
+        <p:txBody>
+          <a:bodyPr rtlCol="0" anchor="ctr"/>
+          <a:lstStyle/>
+          <a:p>
+            <a:pPr algn="ctr"/>
+            <a:endParaRPr lang="en-GR"/>
+          </a:p>
+        </p:txBody>
+      </p:sp>
     </p:spTree>
     <p:extLst>
       <p:ext uri="{BB962C8B-B14F-4D97-AF65-F5344CB8AC3E}">
@@ -15456,9 +15629,9 @@
           <a:bodyPr/>
           <a:lstStyle/>
           <a:p>
-            <a:fld id="{A495A033-A54B-4F41-92C4-F7053274BB0C}" type="datetime1">
+            <a:fld id="{D52D66B2-0E0A-F441-A1DA-8039F615D612}" type="datetime1">
               <a:rPr lang="en-US" smtClean="0"/>
-              <a:t>5/28/20</a:t>
+              <a:t>5/29/20</a:t>
             </a:fld>
             <a:endParaRPr lang="en-US" dirty="0"/>
           </a:p>
@@ -15516,8 +15689,8 @@
           </a:p>
         </p:txBody>
       </p:sp>
-      <mc:AlternateContent xmlns:mc="http://schemas.openxmlformats.org/markup-compatibility/2006">
-        <mc:Choice xmlns:a14="http://schemas.microsoft.com/office/drawing/2010/main" Requires="a14">
+      <mc:AlternateContent xmlns:mc="http://schemas.openxmlformats.org/markup-compatibility/2006" xmlns:a14="http://schemas.microsoft.com/office/drawing/2010/main">
+        <mc:Choice Requires="a14">
           <p:sp>
             <p:nvSpPr>
               <p:cNvPr id="4" name="TextBox 3">
@@ -15938,7 +16111,7 @@
             </p:txBody>
           </p:sp>
         </mc:Choice>
-        <mc:Fallback>
+        <mc:Fallback xmlns="">
           <p:sp>
             <p:nvSpPr>
               <p:cNvPr id="4" name="TextBox 3">
@@ -16360,9 +16533,9 @@
           <a:bodyPr/>
           <a:lstStyle/>
           <a:p>
-            <a:fld id="{A495A033-A54B-4F41-92C4-F7053274BB0C}" type="datetime1">
+            <a:fld id="{18FD8BA5-77B4-654F-B2FF-4855A5BA42B8}" type="datetime1">
               <a:rPr lang="en-US" smtClean="0"/>
-              <a:t>5/28/20</a:t>
+              <a:t>5/29/20</a:t>
             </a:fld>
             <a:endParaRPr lang="en-US" dirty="0"/>
           </a:p>
@@ -16745,9 +16918,9 @@
           <a:bodyPr/>
           <a:lstStyle/>
           <a:p>
-            <a:fld id="{A495A033-A54B-4F41-92C4-F7053274BB0C}" type="datetime1">
+            <a:fld id="{3DBB7BD0-9B8D-1F47-8ABF-BE3CF9BD2848}" type="datetime1">
               <a:rPr lang="en-US" smtClean="0"/>
-              <a:t>5/28/20</a:t>
+              <a:t>5/29/20</a:t>
             </a:fld>
             <a:endParaRPr lang="en-US" dirty="0"/>
           </a:p>
